--- a/Project_1_MoneyTrackerPresentation.pptx
+++ b/Project_1_MoneyTrackerPresentation.pptx
@@ -7037,7 +7037,7 @@
                   </a:schemeClr>
                 </a:solidFill>
               </a:rPr>
-              <a:t>Add ability to delete items (at the moment you could either add a negative Expense or add the amount in income)</a:t>
+              <a:t>Add ability to delete items (at the moment you could either add a negative Expense or add the amount to Income)</a:t>
             </a:r>
           </a:p>
           <a:p>
@@ -7230,19 +7230,17 @@
                     <a:lumMod val="95000"/>
                   </a:schemeClr>
                 </a:solidFill>
+                <a:hlinkClick r:id="rId3"/>
               </a:rPr>
-              <a:t>https://bigevk.github.io/MoneyTracker/</a:t>
+              <a:t>https://github.com/BigEVK/MoneyTracker</a:t>
             </a:r>
-            <a:r>
-              <a:rPr lang="en" dirty="0">
-                <a:solidFill>
-                  <a:schemeClr val="bg1">
-                    <a:lumMod val="95000"/>
-                  </a:schemeClr>
-                </a:solidFill>
-              </a:rPr>
-              <a:t>GitHub repo</a:t>
-            </a:r>
+            <a:endParaRPr lang="en-US" dirty="0">
+              <a:solidFill>
+                <a:schemeClr val="bg1">
+                  <a:lumMod val="95000"/>
+                </a:schemeClr>
+              </a:solidFill>
+            </a:endParaRPr>
           </a:p>
           <a:p>
             <a:pPr marL="457200" lvl="0" indent="-342900" algn="l" rtl="0">
@@ -7275,16 +7273,17 @@
               <a:buChar char="●"/>
             </a:pPr>
             <a:r>
-              <a:rPr lang="en-US" dirty="0">
+              <a:rPr lang="en-US">
                 <a:solidFill>
                   <a:schemeClr val="bg1">
                     <a:lumMod val="95000"/>
                   </a:schemeClr>
                 </a:solidFill>
+                <a:hlinkClick r:id="rId4"/>
               </a:rPr>
-              <a:t>https://github.com/BigEVK/MoneyTracker/settings/pages</a:t>
+              <a:t>https://bigevk.github.io/MoneyTracker/</a:t>
             </a:r>
-            <a:endParaRPr dirty="0">
+            <a:endParaRPr lang="en" dirty="0">
               <a:solidFill>
                 <a:schemeClr val="bg1">
                   <a:lumMod val="95000"/>
